--- a/cases/Calibration.pptx
+++ b/cases/Calibration.pptx
@@ -171,7 +171,6 @@
           </a:p>
         </c:rich>
       </c:tx>
-      <c:layout/>
       <c:overlay val="0"/>
       <c:spPr>
         <a:noFill/>
@@ -392,11 +391,11 @@
           <c:showPercent val="0"/>
           <c:showBubbleSize val="0"/>
         </c:dLbls>
-        <c:axId val="278304992"/>
-        <c:axId val="275019568"/>
+        <c:axId val="285580456"/>
+        <c:axId val="262645240"/>
       </c:scatterChart>
       <c:valAx>
-        <c:axId val="278304992"/>
+        <c:axId val="285580456"/>
         <c:scaling>
           <c:orientation val="minMax"/>
         </c:scaling>
@@ -453,12 +452,12 @@
             <a:endParaRPr lang="en-US"/>
           </a:p>
         </c:txPr>
-        <c:crossAx val="275019568"/>
+        <c:crossAx val="262645240"/>
         <c:crosses val="autoZero"/>
         <c:crossBetween val="midCat"/>
       </c:valAx>
       <c:valAx>
-        <c:axId val="275019568"/>
+        <c:axId val="262645240"/>
         <c:scaling>
           <c:orientation val="minMax"/>
         </c:scaling>
@@ -515,7 +514,7 @@
             <a:endParaRPr lang="en-US"/>
           </a:p>
         </c:txPr>
-        <c:crossAx val="278304992"/>
+        <c:crossAx val="285580456"/>
         <c:crosses val="autoZero"/>
         <c:crossBetween val="midCat"/>
       </c:valAx>
@@ -529,7 +528,6 @@
     </c:plotArea>
     <c:legend>
       <c:legendPos val="r"/>
-      <c:layout/>
       <c:overlay val="0"/>
       <c:spPr>
         <a:noFill/>
@@ -1273,7 +1271,7 @@
           <a:p>
             <a:fld id="{A69A39B3-529F-4E1B-813B-5E55E988BBEE}" type="datetimeFigureOut">
               <a:rPr lang="en-SG" smtClean="0"/>
-              <a:t>8/5/2021</a:t>
+              <a:t>16/7/2021</a:t>
             </a:fld>
             <a:endParaRPr lang="en-SG" dirty="0"/>
           </a:p>
@@ -1783,7 +1781,7 @@
           <a:p>
             <a:fld id="{A69A39B3-529F-4E1B-813B-5E55E988BBEE}" type="datetimeFigureOut">
               <a:rPr lang="en-SG" smtClean="0"/>
-              <a:t>8/5/2021</a:t>
+              <a:t>16/7/2021</a:t>
             </a:fld>
             <a:endParaRPr lang="en-SG" dirty="0"/>
           </a:p>
@@ -1901,7 +1899,7 @@
           <a:p>
             <a:fld id="{A69A39B3-529F-4E1B-813B-5E55E988BBEE}" type="datetimeFigureOut">
               <a:rPr lang="en-SG" smtClean="0"/>
-              <a:t>8/5/2021</a:t>
+              <a:t>16/7/2021</a:t>
             </a:fld>
             <a:endParaRPr lang="en-SG" dirty="0"/>
           </a:p>
@@ -2038,7 +2036,7 @@
           <a:p>
             <a:fld id="{A69A39B3-529F-4E1B-813B-5E55E988BBEE}" type="datetimeFigureOut">
               <a:rPr lang="en-SG" smtClean="0"/>
-              <a:t>8/5/2021</a:t>
+              <a:t>16/7/2021</a:t>
             </a:fld>
             <a:endParaRPr lang="en-SG" dirty="0"/>
           </a:p>
@@ -2315,7 +2313,7 @@
           <a:p>
             <a:fld id="{A69A39B3-529F-4E1B-813B-5E55E988BBEE}" type="datetimeFigureOut">
               <a:rPr lang="en-SG" smtClean="0"/>
-              <a:t>8/5/2021</a:t>
+              <a:t>16/7/2021</a:t>
             </a:fld>
             <a:endParaRPr lang="en-SG" dirty="0"/>
           </a:p>
@@ -2572,7 +2570,7 @@
           <a:p>
             <a:fld id="{A69A39B3-529F-4E1B-813B-5E55E988BBEE}" type="datetimeFigureOut">
               <a:rPr lang="en-SG" smtClean="0"/>
-              <a:t>8/5/2021</a:t>
+              <a:t>16/7/2021</a:t>
             </a:fld>
             <a:endParaRPr lang="en-SG" dirty="0"/>
           </a:p>
@@ -2742,7 +2740,7 @@
           <a:p>
             <a:fld id="{A69A39B3-529F-4E1B-813B-5E55E988BBEE}" type="datetimeFigureOut">
               <a:rPr lang="en-SG" smtClean="0"/>
-              <a:t>8/5/2021</a:t>
+              <a:t>16/7/2021</a:t>
             </a:fld>
             <a:endParaRPr lang="en-SG" dirty="0"/>
           </a:p>
@@ -2922,7 +2920,7 @@
           <a:p>
             <a:fld id="{A69A39B3-529F-4E1B-813B-5E55E988BBEE}" type="datetimeFigureOut">
               <a:rPr lang="en-SG" smtClean="0"/>
-              <a:t>8/5/2021</a:t>
+              <a:t>16/7/2021</a:t>
             </a:fld>
             <a:endParaRPr lang="en-SG" dirty="0"/>
           </a:p>
@@ -3102,7 +3100,7 @@
           <a:p>
             <a:fld id="{A69A39B3-529F-4E1B-813B-5E55E988BBEE}" type="datetimeFigureOut">
               <a:rPr lang="en-SG" smtClean="0"/>
-              <a:t>8/5/2021</a:t>
+              <a:t>16/7/2021</a:t>
             </a:fld>
             <a:endParaRPr lang="en-SG" dirty="0"/>
           </a:p>
@@ -3307,7 +3305,7 @@
           <a:p>
             <a:fld id="{A69A39B3-529F-4E1B-813B-5E55E988BBEE}" type="datetimeFigureOut">
               <a:rPr lang="en-SG" smtClean="0"/>
-              <a:t>8/5/2021</a:t>
+              <a:t>16/7/2021</a:t>
             </a:fld>
             <a:endParaRPr lang="en-SG" dirty="0"/>
           </a:p>
@@ -3601,7 +3599,7 @@
           <a:p>
             <a:fld id="{A69A39B3-529F-4E1B-813B-5E55E988BBEE}" type="datetimeFigureOut">
               <a:rPr lang="en-SG" smtClean="0"/>
-              <a:t>8/5/2021</a:t>
+              <a:t>16/7/2021</a:t>
             </a:fld>
             <a:endParaRPr lang="en-SG" dirty="0"/>
           </a:p>
@@ -3833,7 +3831,7 @@
           <a:p>
             <a:fld id="{A69A39B3-529F-4E1B-813B-5E55E988BBEE}" type="datetimeFigureOut">
               <a:rPr lang="en-SG" smtClean="0"/>
-              <a:t>8/5/2021</a:t>
+              <a:t>16/7/2021</a:t>
             </a:fld>
             <a:endParaRPr lang="en-SG" dirty="0"/>
           </a:p>
@@ -5794,7 +5792,7 @@
             <a:fld id="{A69A39B3-529F-4E1B-813B-5E55E988BBEE}" type="datetimeFigureOut">
               <a:rPr lang="en-SG" smtClean="0"/>
               <a:pPr/>
-              <a:t>8/5/2021</a:t>
+              <a:t>16/7/2021</a:t>
             </a:fld>
             <a:endParaRPr lang="en-SG" dirty="0"/>
           </a:p>
@@ -6979,11 +6977,7 @@
             <a:pPr lvl="1"/>
             <a:r>
               <a:rPr lang="en-SG" sz="1600" smtClean="0"/>
-              <a:t>7.5e10 </a:t>
-            </a:r>
-            <a:r>
-              <a:rPr lang="en-SG" sz="1600" smtClean="0"/>
-              <a:t>AU mL per M</a:t>
+              <a:t>7.5e10 AU mL per M</a:t>
             </a:r>
           </a:p>
           <a:p>
